--- a/exampleSite/content/Classes/Week3/1_PotentialOutcomes/images/counterfactuals.pptx
+++ b/exampleSite/content/Classes/Week3/1_PotentialOutcomes/images/counterfactuals.pptx
@@ -7,10 +7,11 @@
   <p:sldIdLst>
     <p:sldId id="257" r:id="rId2"/>
     <p:sldId id="258" r:id="rId3"/>
-    <p:sldId id="259" r:id="rId4"/>
-    <p:sldId id="260" r:id="rId5"/>
-    <p:sldId id="261" r:id="rId6"/>
-    <p:sldId id="262" r:id="rId7"/>
+    <p:sldId id="263" r:id="rId4"/>
+    <p:sldId id="259" r:id="rId5"/>
+    <p:sldId id="260" r:id="rId6"/>
+    <p:sldId id="261" r:id="rId7"/>
+    <p:sldId id="262" r:id="rId8"/>
   </p:sldIdLst>
   <p:sldSz cx="12192000" cy="6858000"/>
   <p:notesSz cx="6858000" cy="9144000"/>
@@ -109,6 +110,11 @@
       </a:defRPr>
     </a:lvl9pPr>
   </p:defaultTextStyle>
+  <p:extLst>
+    <p:ext uri="{EFAFB233-063F-42B5-8137-9DF3F51BA10A}">
+      <p15:sldGuideLst xmlns:p15="http://schemas.microsoft.com/office/powerpoint/2012/main"/>
+    </p:ext>
+  </p:extLst>
 </p:presentation>
 </file>
 
@@ -3512,6 +3518,45 @@
           </a:prstGeom>
         </p:spPr>
       </p:pic>
+      <p:pic>
+        <p:nvPicPr>
+          <p:cNvPr id="5" name="Graphic 4">
+            <a:extLst>
+              <a:ext uri="{FF2B5EF4-FFF2-40B4-BE49-F238E27FC236}">
+                <a16:creationId xmlns:a16="http://schemas.microsoft.com/office/drawing/2014/main" id="{104F4BAA-DBCC-49D3-9742-5BED3ECA433E}"/>
+              </a:ext>
+            </a:extLst>
+          </p:cNvPr>
+          <p:cNvPicPr>
+            <a:picLocks noChangeAspect="1"/>
+          </p:cNvPicPr>
+          <p:nvPr/>
+        </p:nvPicPr>
+        <p:blipFill>
+          <a:blip r:embed="rId8">
+            <a:extLst>
+              <a:ext uri="{28A0092B-C50C-407E-A947-70E740481C1C}">
+                <a14:useLocalDpi xmlns:a14="http://schemas.microsoft.com/office/drawing/2010/main" val="0"/>
+              </a:ext>
+              <a:ext uri="{96DAC541-7B7A-43D3-8B79-37D633B846F1}">
+                <asvg:svgBlip xmlns:asvg="http://schemas.microsoft.com/office/drawing/2016/SVG/main" r:embed="rId9"/>
+              </a:ext>
+            </a:extLst>
+          </a:blip>
+          <a:stretch>
+            <a:fillRect/>
+          </a:stretch>
+        </p:blipFill>
+        <p:spPr>
+          <a:xfrm>
+            <a:off x="5180697" y="502920"/>
+            <a:ext cx="2286000" cy="2286000"/>
+          </a:xfrm>
+          <a:prstGeom prst="rect">
+            <a:avLst/>
+          </a:prstGeom>
+        </p:spPr>
+      </p:pic>
     </p:spTree>
     <p:extLst>
       <p:ext uri="{BB962C8B-B14F-4D97-AF65-F5344CB8AC3E}">
@@ -3659,49 +3704,10 @@
           </a:prstGeom>
         </p:spPr>
       </p:pic>
-      <p:pic>
-        <p:nvPicPr>
-          <p:cNvPr id="5" name="Graphic 4">
-            <a:extLst>
-              <a:ext uri="{FF2B5EF4-FFF2-40B4-BE49-F238E27FC236}">
-                <a16:creationId xmlns:a16="http://schemas.microsoft.com/office/drawing/2014/main" id="{4FC76877-5EF2-4737-9BC7-E03B22DE5D2A}"/>
-              </a:ext>
-            </a:extLst>
-          </p:cNvPr>
-          <p:cNvPicPr>
-            <a:picLocks noChangeAspect="1"/>
-          </p:cNvPicPr>
-          <p:nvPr/>
-        </p:nvPicPr>
-        <p:blipFill>
-          <a:blip r:embed="rId8">
-            <a:extLst>
-              <a:ext uri="{28A0092B-C50C-407E-A947-70E740481C1C}">
-                <a14:useLocalDpi xmlns:a14="http://schemas.microsoft.com/office/drawing/2010/main" val="0"/>
-              </a:ext>
-              <a:ext uri="{96DAC541-7B7A-43D3-8B79-37D633B846F1}">
-                <asvg:svgBlip xmlns:asvg="http://schemas.microsoft.com/office/drawing/2016/SVG/main" r:embed="rId9"/>
-              </a:ext>
-            </a:extLst>
-          </a:blip>
-          <a:stretch>
-            <a:fillRect/>
-          </a:stretch>
-        </p:blipFill>
-        <p:spPr>
-          <a:xfrm>
-            <a:off x="7772400" y="990600"/>
-            <a:ext cx="4876800" cy="4876800"/>
-          </a:xfrm>
-          <a:prstGeom prst="rect">
-            <a:avLst/>
-          </a:prstGeom>
-        </p:spPr>
-      </p:pic>
     </p:spTree>
     <p:extLst>
       <p:ext uri="{BB962C8B-B14F-4D97-AF65-F5344CB8AC3E}">
-        <p14:creationId xmlns:p14="http://schemas.microsoft.com/office/powerpoint/2010/main" val="3514714240"/>
+        <p14:creationId xmlns:p14="http://schemas.microsoft.com/office/powerpoint/2010/main" val="2919605140"/>
       </p:ext>
     </p:extLst>
   </p:cSld>
@@ -3884,49 +3890,10 @@
           </a:prstGeom>
         </p:spPr>
       </p:pic>
-      <p:pic>
-        <p:nvPicPr>
-          <p:cNvPr id="7" name="Graphic 6">
-            <a:extLst>
-              <a:ext uri="{FF2B5EF4-FFF2-40B4-BE49-F238E27FC236}">
-                <a16:creationId xmlns:a16="http://schemas.microsoft.com/office/drawing/2014/main" id="{A0799130-43A0-44D3-B339-4AA5BBEDDF0F}"/>
-              </a:ext>
-            </a:extLst>
-          </p:cNvPr>
-          <p:cNvPicPr>
-            <a:picLocks noChangeAspect="1"/>
-          </p:cNvPicPr>
-          <p:nvPr/>
-        </p:nvPicPr>
-        <p:blipFill>
-          <a:blip r:embed="rId10">
-            <a:extLst>
-              <a:ext uri="{28A0092B-C50C-407E-A947-70E740481C1C}">
-                <a14:useLocalDpi xmlns:a14="http://schemas.microsoft.com/office/drawing/2010/main" val="0"/>
-              </a:ext>
-              <a:ext uri="{96DAC541-7B7A-43D3-8B79-37D633B846F1}">
-                <asvg:svgBlip xmlns:asvg="http://schemas.microsoft.com/office/drawing/2016/SVG/main" r:embed="rId11"/>
-              </a:ext>
-            </a:extLst>
-          </a:blip>
-          <a:stretch>
-            <a:fillRect/>
-          </a:stretch>
-        </p:blipFill>
-        <p:spPr>
-          <a:xfrm>
-            <a:off x="5180697" y="502920"/>
-            <a:ext cx="2286000" cy="2286000"/>
-          </a:xfrm>
-          <a:prstGeom prst="rect">
-            <a:avLst/>
-          </a:prstGeom>
-        </p:spPr>
-      </p:pic>
     </p:spTree>
     <p:extLst>
       <p:ext uri="{BB962C8B-B14F-4D97-AF65-F5344CB8AC3E}">
-        <p14:creationId xmlns:p14="http://schemas.microsoft.com/office/powerpoint/2010/main" val="2765084076"/>
+        <p14:creationId xmlns:p14="http://schemas.microsoft.com/office/powerpoint/2010/main" val="3514714240"/>
       </p:ext>
     </p:extLst>
   </p:cSld>
@@ -4148,6 +4115,231 @@
           </a:prstGeom>
         </p:spPr>
       </p:pic>
+    </p:spTree>
+    <p:extLst>
+      <p:ext uri="{BB962C8B-B14F-4D97-AF65-F5344CB8AC3E}">
+        <p14:creationId xmlns:p14="http://schemas.microsoft.com/office/powerpoint/2010/main" val="2765084076"/>
+      </p:ext>
+    </p:extLst>
+  </p:cSld>
+  <p:clrMapOvr>
+    <a:masterClrMapping/>
+  </p:clrMapOvr>
+</p:sld>
+</file>
+
+<file path=ppt/slides/slide6.xml><?xml version="1.0" encoding="utf-8"?>
+<p:sld xmlns:a="http://schemas.openxmlformats.org/drawingml/2006/main" xmlns:r="http://schemas.openxmlformats.org/officeDocument/2006/relationships" xmlns:p="http://schemas.openxmlformats.org/presentationml/2006/main">
+  <p:cSld>
+    <p:spTree>
+      <p:nvGrpSpPr>
+        <p:cNvPr id="1" name=""/>
+        <p:cNvGrpSpPr/>
+        <p:nvPr/>
+      </p:nvGrpSpPr>
+      <p:grpSpPr>
+        <a:xfrm>
+          <a:off x="0" y="0"/>
+          <a:ext cx="0" cy="0"/>
+          <a:chOff x="0" y="0"/>
+          <a:chExt cx="0" cy="0"/>
+        </a:xfrm>
+      </p:grpSpPr>
+      <p:pic>
+        <p:nvPicPr>
+          <p:cNvPr id="3" name="Graphic 2">
+            <a:extLst>
+              <a:ext uri="{FF2B5EF4-FFF2-40B4-BE49-F238E27FC236}">
+                <a16:creationId xmlns:a16="http://schemas.microsoft.com/office/drawing/2014/main" id="{8F695168-FBC1-4151-8295-C8BB89DD76A7}"/>
+              </a:ext>
+            </a:extLst>
+          </p:cNvPr>
+          <p:cNvPicPr>
+            <a:picLocks noChangeAspect="1"/>
+          </p:cNvPicPr>
+          <p:nvPr/>
+        </p:nvPicPr>
+        <p:blipFill>
+          <a:blip r:embed="rId2">
+            <a:extLst>
+              <a:ext uri="{28A0092B-C50C-407E-A947-70E740481C1C}">
+                <a14:useLocalDpi xmlns:a14="http://schemas.microsoft.com/office/drawing/2010/main" val="0"/>
+              </a:ext>
+              <a:ext uri="{96DAC541-7B7A-43D3-8B79-37D633B846F1}">
+                <asvg:svgBlip xmlns:asvg="http://schemas.microsoft.com/office/drawing/2016/SVG/main" r:embed="rId3"/>
+              </a:ext>
+            </a:extLst>
+          </a:blip>
+          <a:stretch>
+            <a:fillRect/>
+          </a:stretch>
+        </p:blipFill>
+        <p:spPr>
+          <a:xfrm>
+            <a:off x="-353568" y="990600"/>
+            <a:ext cx="4876800" cy="4876800"/>
+          </a:xfrm>
+          <a:prstGeom prst="rect">
+            <a:avLst/>
+          </a:prstGeom>
+        </p:spPr>
+      </p:pic>
+      <p:pic>
+        <p:nvPicPr>
+          <p:cNvPr id="4" name="Graphic 3">
+            <a:extLst>
+              <a:ext uri="{FF2B5EF4-FFF2-40B4-BE49-F238E27FC236}">
+                <a16:creationId xmlns:a16="http://schemas.microsoft.com/office/drawing/2014/main" id="{4437B176-07B4-4E5D-B3EC-29FCFD33BB40}"/>
+              </a:ext>
+            </a:extLst>
+          </p:cNvPr>
+          <p:cNvPicPr>
+            <a:picLocks noChangeAspect="1"/>
+          </p:cNvPicPr>
+          <p:nvPr/>
+        </p:nvPicPr>
+        <p:blipFill>
+          <a:blip r:embed="rId4">
+            <a:extLst>
+              <a:ext uri="{28A0092B-C50C-407E-A947-70E740481C1C}">
+                <a14:useLocalDpi xmlns:a14="http://schemas.microsoft.com/office/drawing/2010/main" val="0"/>
+              </a:ext>
+              <a:ext uri="{96DAC541-7B7A-43D3-8B79-37D633B846F1}">
+                <asvg:svgBlip xmlns:asvg="http://schemas.microsoft.com/office/drawing/2016/SVG/main" r:embed="rId5"/>
+              </a:ext>
+            </a:extLst>
+          </a:blip>
+          <a:stretch>
+            <a:fillRect/>
+          </a:stretch>
+        </p:blipFill>
+        <p:spPr>
+          <a:xfrm>
+            <a:off x="5382770" y="502920"/>
+            <a:ext cx="2286000" cy="2286000"/>
+          </a:xfrm>
+          <a:prstGeom prst="rect">
+            <a:avLst/>
+          </a:prstGeom>
+        </p:spPr>
+      </p:pic>
+      <p:pic>
+        <p:nvPicPr>
+          <p:cNvPr id="6" name="Graphic 5">
+            <a:extLst>
+              <a:ext uri="{FF2B5EF4-FFF2-40B4-BE49-F238E27FC236}">
+                <a16:creationId xmlns:a16="http://schemas.microsoft.com/office/drawing/2014/main" id="{4F983E89-CDBD-4618-95C8-E8151915F214}"/>
+              </a:ext>
+            </a:extLst>
+          </p:cNvPr>
+          <p:cNvPicPr>
+            <a:picLocks noChangeAspect="1"/>
+          </p:cNvPicPr>
+          <p:nvPr/>
+        </p:nvPicPr>
+        <p:blipFill>
+          <a:blip r:embed="rId6">
+            <a:extLst>
+              <a:ext uri="{28A0092B-C50C-407E-A947-70E740481C1C}">
+                <a14:useLocalDpi xmlns:a14="http://schemas.microsoft.com/office/drawing/2010/main" val="0"/>
+              </a:ext>
+              <a:ext uri="{96DAC541-7B7A-43D3-8B79-37D633B846F1}">
+                <asvg:svgBlip xmlns:asvg="http://schemas.microsoft.com/office/drawing/2016/SVG/main" r:embed="rId7"/>
+              </a:ext>
+            </a:extLst>
+          </a:blip>
+          <a:stretch>
+            <a:fillRect/>
+          </a:stretch>
+        </p:blipFill>
+        <p:spPr>
+          <a:xfrm>
+            <a:off x="4870706" y="2512200"/>
+            <a:ext cx="3200400" cy="3200400"/>
+          </a:xfrm>
+          <a:prstGeom prst="rect">
+            <a:avLst/>
+          </a:prstGeom>
+        </p:spPr>
+      </p:pic>
+      <p:pic>
+        <p:nvPicPr>
+          <p:cNvPr id="5" name="Graphic 4">
+            <a:extLst>
+              <a:ext uri="{FF2B5EF4-FFF2-40B4-BE49-F238E27FC236}">
+                <a16:creationId xmlns:a16="http://schemas.microsoft.com/office/drawing/2014/main" id="{4FC76877-5EF2-4737-9BC7-E03B22DE5D2A}"/>
+              </a:ext>
+            </a:extLst>
+          </p:cNvPr>
+          <p:cNvPicPr>
+            <a:picLocks noChangeAspect="1"/>
+          </p:cNvPicPr>
+          <p:nvPr/>
+        </p:nvPicPr>
+        <p:blipFill>
+          <a:blip r:embed="rId8">
+            <a:extLst>
+              <a:ext uri="{28A0092B-C50C-407E-A947-70E740481C1C}">
+                <a14:useLocalDpi xmlns:a14="http://schemas.microsoft.com/office/drawing/2010/main" val="0"/>
+              </a:ext>
+              <a:ext uri="{96DAC541-7B7A-43D3-8B79-37D633B846F1}">
+                <asvg:svgBlip xmlns:asvg="http://schemas.microsoft.com/office/drawing/2016/SVG/main" r:embed="rId9"/>
+              </a:ext>
+            </a:extLst>
+          </a:blip>
+          <a:stretch>
+            <a:fillRect/>
+          </a:stretch>
+        </p:blipFill>
+        <p:spPr>
+          <a:xfrm>
+            <a:off x="7772400" y="990600"/>
+            <a:ext cx="4876800" cy="4876800"/>
+          </a:xfrm>
+          <a:prstGeom prst="rect">
+            <a:avLst/>
+          </a:prstGeom>
+        </p:spPr>
+      </p:pic>
+      <p:pic>
+        <p:nvPicPr>
+          <p:cNvPr id="7" name="Graphic 6">
+            <a:extLst>
+              <a:ext uri="{FF2B5EF4-FFF2-40B4-BE49-F238E27FC236}">
+                <a16:creationId xmlns:a16="http://schemas.microsoft.com/office/drawing/2014/main" id="{A0799130-43A0-44D3-B339-4AA5BBEDDF0F}"/>
+              </a:ext>
+            </a:extLst>
+          </p:cNvPr>
+          <p:cNvPicPr>
+            <a:picLocks noChangeAspect="1"/>
+          </p:cNvPicPr>
+          <p:nvPr/>
+        </p:nvPicPr>
+        <p:blipFill>
+          <a:blip r:embed="rId10">
+            <a:extLst>
+              <a:ext uri="{28A0092B-C50C-407E-A947-70E740481C1C}">
+                <a14:useLocalDpi xmlns:a14="http://schemas.microsoft.com/office/drawing/2010/main" val="0"/>
+              </a:ext>
+              <a:ext uri="{96DAC541-7B7A-43D3-8B79-37D633B846F1}">
+                <asvg:svgBlip xmlns:asvg="http://schemas.microsoft.com/office/drawing/2016/SVG/main" r:embed="rId11"/>
+              </a:ext>
+            </a:extLst>
+          </a:blip>
+          <a:stretch>
+            <a:fillRect/>
+          </a:stretch>
+        </p:blipFill>
+        <p:spPr>
+          <a:xfrm>
+            <a:off x="5180697" y="502920"/>
+            <a:ext cx="2286000" cy="2286000"/>
+          </a:xfrm>
+          <a:prstGeom prst="rect">
+            <a:avLst/>
+          </a:prstGeom>
+        </p:spPr>
+      </p:pic>
       <p:pic>
         <p:nvPicPr>
           <p:cNvPr id="8" name="Graphic 7">
@@ -4200,7 +4392,7 @@
 </p:sld>
 </file>
 
-<file path=ppt/slides/slide6.xml><?xml version="1.0" encoding="utf-8"?>
+<file path=ppt/slides/slide7.xml><?xml version="1.0" encoding="utf-8"?>
 <p:sld xmlns:a="http://schemas.openxmlformats.org/drawingml/2006/main" xmlns:r="http://schemas.openxmlformats.org/officeDocument/2006/relationships" xmlns:p="http://schemas.openxmlformats.org/presentationml/2006/main">
   <p:cSld>
     <p:spTree>
